--- a/docs/Presentation.pptx
+++ b/docs/Presentation.pptx
@@ -232,7 +232,7 @@
           <a:p>
             <a:fld id="{5EA28068-AFBD-4979-B752-9EB6F90B1386}" type="datetimeFigureOut">
               <a:rPr lang="en-US" smtClean="0"/>
-              <a:t>12/1/2023</a:t>
+              <a:t>12/2/2023</a:t>
             </a:fld>
             <a:endParaRPr lang="en-US" dirty="0"/>
           </a:p>
@@ -10968,12 +10968,8 @@
           <a:lstStyle/>
           <a:p>
             <a:r>
-              <a:rPr lang="en-US" sz="5400" spc="400" dirty="0">
-                <a:solidFill>
-                  <a:schemeClr val="bg1"/>
-                </a:solidFill>
-              </a:rPr>
-              <a:t>Galaxy</a:t>
+              <a:rPr lang="en-US" dirty="0" err="1"/>
+              <a:t>WHis</a:t>
             </a:r>
             <a:endParaRPr lang="en-US" dirty="0"/>
           </a:p>
@@ -11001,8 +10997,20 @@
           <a:lstStyle/>
           <a:p>
             <a:r>
+              <a:rPr lang="bg-BG" dirty="0"/>
+              <a:t>Здравейте ние сме </a:t>
+            </a:r>
+            <a:r>
               <a:rPr lang="en-US" dirty="0"/>
-              <a:t>Hello we are team WHIS</a:t>
+              <a:t>WHIS </a:t>
+            </a:r>
+            <a:r>
+              <a:rPr lang="bg-BG" dirty="0"/>
+              <a:t>и това е нашия проект</a:t>
+            </a:r>
+            <a:r>
+              <a:rPr lang="en-US" dirty="0"/>
+              <a:t> </a:t>
             </a:r>
           </a:p>
         </p:txBody>
@@ -11110,15 +11118,6 @@
           <a:solidFill>
             <a:srgbClr val="FFFFFF"/>
           </a:solidFill>
-          <a:extLst>
-            <a:ext uri="{909E8E84-426E-40DD-AFC4-6F175D3DCCD1}">
-              <a14:hiddenFill xmlns:a14="http://schemas.microsoft.com/office/drawing/2010/main">
-                <a:solidFill>
-                  <a:srgbClr val="FFFFFF"/>
-                </a:solidFill>
-              </a14:hiddenFill>
-            </a:ext>
-          </a:extLst>
         </p:spPr>
       </p:pic>
       <p:sp>
@@ -11364,15 +11363,6 @@
           <a:solidFill>
             <a:srgbClr val="FFFFFF"/>
           </a:solidFill>
-          <a:extLst>
-            <a:ext uri="{909E8E84-426E-40DD-AFC4-6F175D3DCCD1}">
-              <a14:hiddenFill xmlns:a14="http://schemas.microsoft.com/office/drawing/2010/main">
-                <a:solidFill>
-                  <a:srgbClr val="FFFFFF"/>
-                </a:solidFill>
-              </a14:hiddenFill>
-            </a:ext>
-          </a:extLst>
         </p:spPr>
       </p:pic>
       <p:sp>
@@ -11670,6 +11660,133 @@
           <a:chExt cx="0" cy="0"/>
         </a:xfrm>
       </p:grpSpPr>
+      <p:pic>
+        <p:nvPicPr>
+          <p:cNvPr id="3074" name="Picture 2" descr="P92 IT Solutions - HTML, CSS and JavaScript">
+            <a:extLst>
+              <a:ext uri="{FF2B5EF4-FFF2-40B4-BE49-F238E27FC236}">
+                <a16:creationId xmlns:a16="http://schemas.microsoft.com/office/drawing/2014/main" id="{C6DCFCBA-27BB-54AF-0F80-FC57BCDF963F}"/>
+              </a:ext>
+            </a:extLst>
+          </p:cNvPr>
+          <p:cNvPicPr>
+            <a:picLocks noChangeAspect="1" noChangeArrowheads="1"/>
+          </p:cNvPicPr>
+          <p:nvPr/>
+        </p:nvPicPr>
+        <p:blipFill>
+          <a:blip r:embed="rId2">
+            <a:extLst>
+              <a:ext uri="{28A0092B-C50C-407E-A947-70E740481C1C}">
+                <a14:useLocalDpi xmlns:a14="http://schemas.microsoft.com/office/drawing/2010/main" val="0"/>
+              </a:ext>
+            </a:extLst>
+          </a:blip>
+          <a:stretch>
+            <a:fillRect/>
+          </a:stretch>
+        </p:blipFill>
+        <p:spPr bwMode="auto">
+          <a:xfrm>
+            <a:off x="838200" y="3118193"/>
+            <a:ext cx="3344863" cy="3344863"/>
+          </a:xfrm>
+          <a:prstGeom prst="rect">
+            <a:avLst/>
+          </a:prstGeom>
+        </p:spPr>
+      </p:pic>
+      <p:pic>
+        <p:nvPicPr>
+          <p:cNvPr id="1028" name="Picture 4" descr="New JSON validation service available | Joinup">
+            <a:extLst>
+              <a:ext uri="{FF2B5EF4-FFF2-40B4-BE49-F238E27FC236}">
+                <a16:creationId xmlns:a16="http://schemas.microsoft.com/office/drawing/2014/main" id="{A97F2D52-9DF1-70FA-0261-A78D64883D55}"/>
+              </a:ext>
+            </a:extLst>
+          </p:cNvPr>
+          <p:cNvPicPr>
+            <a:picLocks noChangeAspect="1" noChangeArrowheads="1"/>
+          </p:cNvPicPr>
+          <p:nvPr/>
+        </p:nvPicPr>
+        <p:blipFill>
+          <a:blip r:embed="rId3">
+            <a:extLst>
+              <a:ext uri="{28A0092B-C50C-407E-A947-70E740481C1C}">
+                <a14:useLocalDpi xmlns:a14="http://schemas.microsoft.com/office/drawing/2010/main" val="0"/>
+              </a:ext>
+            </a:extLst>
+          </a:blip>
+          <a:srcRect/>
+          <a:stretch>
+            <a:fillRect/>
+          </a:stretch>
+        </p:blipFill>
+        <p:spPr bwMode="auto">
+          <a:xfrm>
+            <a:off x="4257675" y="3118194"/>
+            <a:ext cx="3681413" cy="3344863"/>
+          </a:xfrm>
+          <a:prstGeom prst="rect">
+            <a:avLst/>
+          </a:prstGeom>
+          <a:extLst>
+            <a:ext uri="{909E8E84-426E-40DD-AFC4-6F175D3DCCD1}">
+              <a14:hiddenFill xmlns:a14="http://schemas.microsoft.com/office/drawing/2010/main">
+                <a:solidFill>
+                  <a:srgbClr val="FFFFFF"/>
+                </a:solidFill>
+              </a14:hiddenFill>
+            </a:ext>
+          </a:extLst>
+        </p:spPr>
+      </p:pic>
+      <p:pic>
+        <p:nvPicPr>
+          <p:cNvPr id="1026" name="Picture 2" descr="Картина, която съдържа екранна снимка, Електриково синьо, Графика, линия&#10;&#10;Описанието е генерирано автоматично">
+            <a:extLst>
+              <a:ext uri="{FF2B5EF4-FFF2-40B4-BE49-F238E27FC236}">
+                <a16:creationId xmlns:a16="http://schemas.microsoft.com/office/drawing/2014/main" id="{2A0C6D6C-E1E3-B9F6-CEEF-B09FD6BA628E}"/>
+              </a:ext>
+            </a:extLst>
+          </p:cNvPr>
+          <p:cNvPicPr>
+            <a:picLocks noChangeAspect="1" noChangeArrowheads="1"/>
+          </p:cNvPicPr>
+          <p:nvPr/>
+        </p:nvPicPr>
+        <p:blipFill>
+          <a:blip r:embed="rId4">
+            <a:extLst>
+              <a:ext uri="{28A0092B-C50C-407E-A947-70E740481C1C}">
+                <a14:useLocalDpi xmlns:a14="http://schemas.microsoft.com/office/drawing/2010/main" val="0"/>
+              </a:ext>
+            </a:extLst>
+          </a:blip>
+          <a:stretch>
+            <a:fillRect/>
+          </a:stretch>
+        </p:blipFill>
+        <p:spPr bwMode="auto">
+          <a:xfrm>
+            <a:off x="7934326" y="3118195"/>
+            <a:ext cx="3344863" cy="3344863"/>
+          </a:xfrm>
+          <a:prstGeom prst="rect">
+            <a:avLst/>
+          </a:prstGeom>
+          <a:extLst>
+            <a:ext uri="{909E8E84-426E-40DD-AFC4-6F175D3DCCD1}">
+              <a14:hiddenFill xmlns:a14="http://schemas.microsoft.com/office/drawing/2010/main">
+                <a:solidFill>
+                  <a:srgbClr val="FFFFFF"/>
+                </a:solidFill>
+              </a14:hiddenFill>
+            </a:ext>
+          </a:extLst>
+        </p:spPr>
+      </p:pic>
       <p:sp>
         <p:nvSpPr>
           <p:cNvPr id="2" name="Title 1">
@@ -11706,57 +11823,9 @@
           </a:p>
         </p:txBody>
       </p:sp>
-      <p:pic>
-        <p:nvPicPr>
-          <p:cNvPr id="3074" name="Picture 2" descr="P92 IT Solutions - HTML, CSS and JavaScript">
-            <a:extLst>
-              <a:ext uri="{FF2B5EF4-FFF2-40B4-BE49-F238E27FC236}">
-                <a16:creationId xmlns:a16="http://schemas.microsoft.com/office/drawing/2014/main" id="{C6DCFCBA-27BB-54AF-0F80-FC57BCDF963F}"/>
-              </a:ext>
-            </a:extLst>
-          </p:cNvPr>
-          <p:cNvPicPr>
-            <a:picLocks noChangeAspect="1" noChangeArrowheads="1"/>
-          </p:cNvPicPr>
-          <p:nvPr/>
-        </p:nvPicPr>
-        <p:blipFill>
-          <a:blip r:embed="rId2">
-            <a:extLst>
-              <a:ext uri="{28A0092B-C50C-407E-A947-70E740481C1C}">
-                <a14:useLocalDpi xmlns:a14="http://schemas.microsoft.com/office/drawing/2010/main" val="0"/>
-              </a:ext>
-            </a:extLst>
-          </a:blip>
-          <a:stretch>
-            <a:fillRect/>
-          </a:stretch>
-        </p:blipFill>
-        <p:spPr bwMode="auto">
-          <a:xfrm>
-            <a:off x="3920331" y="1825625"/>
-            <a:ext cx="4351338" cy="4351338"/>
-          </a:xfrm>
-          <a:prstGeom prst="rect">
-            <a:avLst/>
-          </a:prstGeom>
-          <a:solidFill>
-            <a:srgbClr val="FFFFFF"/>
-          </a:solidFill>
-          <a:extLst>
-            <a:ext uri="{909E8E84-426E-40DD-AFC4-6F175D3DCCD1}">
-              <a14:hiddenFill xmlns:a14="http://schemas.microsoft.com/office/drawing/2010/main">
-                <a:solidFill>
-                  <a:srgbClr val="FFFFFF"/>
-                </a:solidFill>
-              </a14:hiddenFill>
-            </a:ext>
-          </a:extLst>
-        </p:spPr>
-      </p:pic>
       <p:sp>
         <p:nvSpPr>
-          <p:cNvPr id="24" name="Slide Number Placeholder 23">
+          <p:cNvPr id="24" name="Slide Number Placeholder 23" hidden="1">
             <a:extLst>
               <a:ext uri="{FF2B5EF4-FFF2-40B4-BE49-F238E27FC236}">
                 <a16:creationId xmlns:a16="http://schemas.microsoft.com/office/drawing/2014/main" id="{9A686A52-7630-4675-B383-8C2AD252EC1F}"/>
@@ -11767,7 +11836,7 @@
             <a:spLocks noGrp="1"/>
           </p:cNvSpPr>
           <p:nvPr>
-            <p:ph type="sldNum" sz="quarter" idx="12"/>
+            <p:ph type="sldNum" sz="quarter" idx="4294967295"/>
           </p:nvPr>
         </p:nvSpPr>
         <p:spPr>
@@ -11800,6 +11869,53 @@
           </a:p>
         </p:txBody>
       </p:sp>
+      <p:pic>
+        <p:nvPicPr>
+          <p:cNvPr id="1032" name="Picture 8">
+            <a:extLst>
+              <a:ext uri="{FF2B5EF4-FFF2-40B4-BE49-F238E27FC236}">
+                <a16:creationId xmlns:a16="http://schemas.microsoft.com/office/drawing/2014/main" id="{9C7AA355-6821-C671-E713-3A31CD649A71}"/>
+              </a:ext>
+            </a:extLst>
+          </p:cNvPr>
+          <p:cNvPicPr>
+            <a:picLocks noChangeAspect="1" noChangeArrowheads="1"/>
+          </p:cNvPicPr>
+          <p:nvPr/>
+        </p:nvPicPr>
+        <p:blipFill>
+          <a:blip r:embed="rId5">
+            <a:extLst>
+              <a:ext uri="{28A0092B-C50C-407E-A947-70E740481C1C}">
+                <a14:useLocalDpi xmlns:a14="http://schemas.microsoft.com/office/drawing/2010/main" val="0"/>
+              </a:ext>
+            </a:extLst>
+          </a:blip>
+          <a:srcRect/>
+          <a:stretch>
+            <a:fillRect/>
+          </a:stretch>
+        </p:blipFill>
+        <p:spPr bwMode="auto">
+          <a:xfrm>
+            <a:off x="8131521" y="213070"/>
+            <a:ext cx="2955235" cy="2955235"/>
+          </a:xfrm>
+          <a:prstGeom prst="rect">
+            <a:avLst/>
+          </a:prstGeom>
+          <a:noFill/>
+          <a:extLst>
+            <a:ext uri="{909E8E84-426E-40DD-AFC4-6F175D3DCCD1}">
+              <a14:hiddenFill xmlns:a14="http://schemas.microsoft.com/office/drawing/2010/main">
+                <a:solidFill>
+                  <a:srgbClr val="FFFFFF"/>
+                </a:solidFill>
+              </a14:hiddenFill>
+            </a:ext>
+          </a:extLst>
+        </p:spPr>
+      </p:pic>
     </p:spTree>
     <p:extLst>
       <p:ext uri="{BB962C8B-B14F-4D97-AF65-F5344CB8AC3E}">
